--- a/Labo 1v2016_2.pptx
+++ b/Labo 1v2016_2.pptx
@@ -241,7 +241,7 @@
             <a:fld id="{5E1F3058-911A-4ECE-9328-61AED21BD68F}" type="datetimeFigureOut">
               <a:rPr lang="fr-BE" smtClean="0"/>
               <a:pPr/>
-              <a:t>16-03-16</a:t>
+              <a:t>20-03-16</a:t>
             </a:fld>
             <a:endParaRPr lang="fr-BE"/>
           </a:p>
@@ -403,7 +403,7 @@
             <a:fld id="{E102CBC2-C643-4723-8164-330035F380E5}" type="slidenum">
               <a:rPr lang="fr-BE" smtClean="0"/>
               <a:pPr/>
-              <a:t>‹#›</a:t>
+              <a:t>‹N°›</a:t>
             </a:fld>
             <a:endParaRPr lang="fr-BE"/>
           </a:p>
@@ -2687,7 +2687,7 @@
             <a:fld id="{A3FD6C28-B624-4070-8911-F6EF62B4941A}" type="slidenum">
               <a:rPr lang="fr-BE" smtClean="0"/>
               <a:pPr/>
-              <a:t>‹#›</a:t>
+              <a:t>‹N°›</a:t>
             </a:fld>
             <a:endParaRPr lang="fr-BE"/>
           </a:p>
@@ -2825,7 +2825,7 @@
             <a:fld id="{A3FD6C28-B624-4070-8911-F6EF62B4941A}" type="slidenum">
               <a:rPr lang="fr-BE" smtClean="0"/>
               <a:pPr/>
-              <a:t>‹#›</a:t>
+              <a:t>‹N°›</a:t>
             </a:fld>
             <a:endParaRPr lang="fr-BE"/>
           </a:p>
@@ -2953,7 +2953,7 @@
             <a:fld id="{A3FD6C28-B624-4070-8911-F6EF62B4941A}" type="slidenum">
               <a:rPr lang="fr-BE" smtClean="0"/>
               <a:pPr/>
-              <a:t>‹#›</a:t>
+              <a:t>‹N°›</a:t>
             </a:fld>
             <a:endParaRPr lang="fr-BE"/>
           </a:p>
@@ -3103,7 +3103,7 @@
             <a:fld id="{A3FD6C28-B624-4070-8911-F6EF62B4941A}" type="slidenum">
               <a:rPr lang="fr-BE" smtClean="0"/>
               <a:pPr/>
-              <a:t>‹#›</a:t>
+              <a:t>‹N°›</a:t>
             </a:fld>
             <a:endParaRPr lang="fr-BE"/>
           </a:p>
@@ -3349,7 +3349,7 @@
             <a:fld id="{A3FD6C28-B624-4070-8911-F6EF62B4941A}" type="slidenum">
               <a:rPr lang="fr-BE" smtClean="0"/>
               <a:pPr/>
-              <a:t>‹#›</a:t>
+              <a:t>‹N°›</a:t>
             </a:fld>
             <a:endParaRPr lang="fr-BE"/>
           </a:p>
@@ -3734,7 +3734,7 @@
             <a:fld id="{A3FD6C28-B624-4070-8911-F6EF62B4941A}" type="slidenum">
               <a:rPr lang="fr-BE" smtClean="0"/>
               <a:pPr/>
-              <a:t>‹#›</a:t>
+              <a:t>‹N°›</a:t>
             </a:fld>
             <a:endParaRPr lang="fr-BE"/>
           </a:p>
@@ -3810,7 +3810,7 @@
             <a:fld id="{A3FD6C28-B624-4070-8911-F6EF62B4941A}" type="slidenum">
               <a:rPr lang="fr-BE" smtClean="0"/>
               <a:pPr/>
-              <a:t>‹#›</a:t>
+              <a:t>‹N°›</a:t>
             </a:fld>
             <a:endParaRPr lang="fr-BE"/>
           </a:p>
@@ -3863,7 +3863,7 @@
             <a:fld id="{A3FD6C28-B624-4070-8911-F6EF62B4941A}" type="slidenum">
               <a:rPr lang="fr-BE" smtClean="0"/>
               <a:pPr/>
-              <a:t>‹#›</a:t>
+              <a:t>‹N°›</a:t>
             </a:fld>
             <a:endParaRPr lang="fr-BE"/>
           </a:p>
@@ -4098,7 +4098,7 @@
             <a:fld id="{A3FD6C28-B624-4070-8911-F6EF62B4941A}" type="slidenum">
               <a:rPr lang="fr-BE" smtClean="0"/>
               <a:pPr/>
-              <a:t>‹#›</a:t>
+              <a:t>‹N°›</a:t>
             </a:fld>
             <a:endParaRPr lang="fr-BE"/>
           </a:p>
@@ -4314,7 +4314,7 @@
             <a:fld id="{A3FD6C28-B624-4070-8911-F6EF62B4941A}" type="slidenum">
               <a:rPr lang="fr-BE" smtClean="0"/>
               <a:pPr/>
-              <a:t>‹#›</a:t>
+              <a:t>‹N°›</a:t>
             </a:fld>
             <a:endParaRPr lang="fr-BE"/>
           </a:p>
@@ -4510,7 +4510,7 @@
             <a:fld id="{A3FD6C28-B624-4070-8911-F6EF62B4941A}" type="slidenum">
               <a:rPr lang="fr-BE" smtClean="0"/>
               <a:pPr/>
-              <a:t>‹#›</a:t>
+              <a:t>‹N°›</a:t>
             </a:fld>
             <a:endParaRPr lang="fr-BE"/>
           </a:p>
@@ -17168,11 +17168,15 @@
             </a:r>
             <a:r>
               <a:rPr lang="en-US" sz="2000" dirty="0" err="1" smtClean="0"/>
-              <a:t>SignalPower</a:t>
+              <a:t>SignalEnergy</a:t>
             </a:r>
             <a:r>
               <a:rPr lang="en-US" sz="2000" dirty="0" smtClean="0"/>
-              <a:t> * </a:t>
+              <a:t> </a:t>
+            </a:r>
+            <a:r>
+              <a:rPr lang="en-US" sz="2000" dirty="0" smtClean="0"/>
+              <a:t>* </a:t>
             </a:r>
             <a:r>
               <a:rPr lang="en-US" sz="2000" dirty="0" err="1" smtClean="0"/>
@@ -17457,130 +17461,117 @@
           <a:p>
             <a:pPr lvl="1"/>
             <a:r>
+              <a:rPr lang="en-US" sz="2000" dirty="0" err="1"/>
+              <a:t>SignalEnergy</a:t>
+            </a:r>
+            <a:r>
+              <a:rPr lang="en-US" sz="2000" dirty="0"/>
+              <a:t> = (</a:t>
+            </a:r>
+            <a:r>
+              <a:rPr lang="en-US" sz="2000" dirty="0" err="1"/>
+              <a:t>trapz</a:t>
+            </a:r>
+            <a:r>
+              <a:rPr lang="en-US" sz="2000" dirty="0"/>
+              <a:t>(abs(signal).^2))*(1/</a:t>
+            </a:r>
+            <a:r>
+              <a:rPr lang="en-US" sz="2000" dirty="0" err="1"/>
+              <a:t>Fsampling</a:t>
+            </a:r>
+            <a:r>
+              <a:rPr lang="en-US" sz="2000" dirty="0" smtClean="0"/>
+              <a:t>)</a:t>
+            </a:r>
+          </a:p>
+          <a:p>
+            <a:pPr lvl="1"/>
+            <a:r>
+              <a:rPr lang="en-US" sz="2200" dirty="0" smtClean="0"/>
+              <a:t>Note</a:t>
+            </a:r>
+            <a:r>
+              <a:rPr lang="en-US" sz="2200" dirty="0" smtClean="0"/>
+              <a:t>: </a:t>
+            </a:r>
+            <a:r>
               <a:rPr lang="en-US" sz="2200" dirty="0" err="1" smtClean="0">
                 <a:latin typeface="Consolas"/>
                 <a:cs typeface="Consolas"/>
               </a:rPr>
-              <a:t>SignalPower</a:t>
+              <a:t>Eb</a:t>
             </a:r>
             <a:r>
               <a:rPr lang="en-US" sz="2200" dirty="0" smtClean="0">
                 <a:latin typeface="Consolas"/>
                 <a:cs typeface="Consolas"/>
               </a:rPr>
-              <a:t> = (</a:t>
+              <a:t> = </a:t>
             </a:r>
             <a:r>
               <a:rPr lang="en-US" sz="2200" dirty="0" err="1" smtClean="0">
                 <a:latin typeface="Consolas"/>
                 <a:cs typeface="Consolas"/>
               </a:rPr>
-              <a:t>trapz</a:t>
+              <a:t>Eb</a:t>
             </a:r>
             <a:r>
               <a:rPr lang="en-US" sz="2200" dirty="0" smtClean="0">
                 <a:latin typeface="Consolas"/>
                 <a:cs typeface="Consolas"/>
               </a:rPr>
-              <a:t>(signal_noise.^2))*(1/</a:t>
-            </a:r>
+              <a:t>/2</a:t>
+            </a:r>
+            <a:r>
+              <a:rPr lang="en-US" sz="2200" dirty="0" smtClean="0"/>
+              <a:t> (Slide 32 of signal representation)</a:t>
+            </a:r>
+            <a:endParaRPr lang="en-US" sz="2200" dirty="0"/>
+          </a:p>
+          <a:p>
+            <a:r>
+              <a:rPr lang="en-US" dirty="0" smtClean="0"/>
+              <a:t>Noise power</a:t>
+            </a:r>
+          </a:p>
+          <a:p>
+            <a:pPr lvl="1"/>
+            <a:r>
+              <a:rPr lang="en-US" sz="2000" dirty="0"/>
+              <a:t>N0 = </a:t>
+            </a:r>
+            <a:r>
+              <a:rPr lang="en-US" sz="2000" dirty="0" err="1" smtClean="0"/>
+              <a:t>Eb</a:t>
+            </a:r>
+            <a:r>
+              <a:rPr lang="en-US" sz="2000" dirty="0" smtClean="0"/>
+              <a:t>/EbN0</a:t>
+            </a:r>
+          </a:p>
+          <a:p>
+            <a:pPr lvl="1"/>
             <a:r>
               <a:rPr lang="en-US" sz="2200" dirty="0" err="1" smtClean="0">
                 <a:latin typeface="Consolas"/>
                 <a:cs typeface="Consolas"/>
               </a:rPr>
-              <a:t>Fsampling</a:t>
+              <a:t>NoisePower</a:t>
             </a:r>
             <a:r>
               <a:rPr lang="en-US" sz="2200" dirty="0" smtClean="0">
                 <a:latin typeface="Consolas"/>
                 <a:cs typeface="Consolas"/>
               </a:rPr>
-              <a:t>)</a:t>
-            </a:r>
-          </a:p>
-          <a:p>
-            <a:pPr lvl="1"/>
-            <a:r>
-              <a:rPr lang="en-US" sz="2200" dirty="0" smtClean="0"/>
-              <a:t>Note: </a:t>
-            </a:r>
-            <a:r>
-              <a:rPr lang="en-US" sz="2200" dirty="0" err="1" smtClean="0">
-                <a:latin typeface="Consolas"/>
-                <a:cs typeface="Consolas"/>
-              </a:rPr>
-              <a:t>Eb</a:t>
+              <a:t> </a:t>
             </a:r>
             <a:r>
               <a:rPr lang="en-US" sz="2200" dirty="0" smtClean="0">
                 <a:latin typeface="Consolas"/>
                 <a:cs typeface="Consolas"/>
               </a:rPr>
-              <a:t> = </a:t>
-            </a:r>
-            <a:r>
-              <a:rPr lang="en-US" sz="2200" dirty="0" err="1" smtClean="0">
-                <a:latin typeface="Consolas"/>
-                <a:cs typeface="Consolas"/>
-              </a:rPr>
-              <a:t>Eb</a:t>
-            </a:r>
-            <a:r>
-              <a:rPr lang="en-US" sz="2200" dirty="0" smtClean="0">
-                <a:latin typeface="Consolas"/>
-                <a:cs typeface="Consolas"/>
-              </a:rPr>
-              <a:t>/2</a:t>
-            </a:r>
-            <a:r>
-              <a:rPr lang="en-US" sz="2200" dirty="0" smtClean="0"/>
-              <a:t> (Slide 32 of signal representation)</a:t>
-            </a:r>
-            <a:endParaRPr lang="en-US" sz="2200" dirty="0"/>
-          </a:p>
-          <a:p>
-            <a:r>
-              <a:rPr lang="en-US" dirty="0" smtClean="0"/>
-              <a:t>Noise power</a:t>
-            </a:r>
-          </a:p>
-          <a:p>
-            <a:pPr lvl="1"/>
-            <a:r>
-              <a:rPr lang="en-US" sz="2200" dirty="0" smtClean="0">
-                <a:latin typeface="Consolas"/>
-                <a:cs typeface="Consolas"/>
-              </a:rPr>
-              <a:t>N0 = EbN0/</a:t>
-            </a:r>
-            <a:r>
-              <a:rPr lang="en-US" sz="2200" dirty="0" err="1" smtClean="0">
-                <a:latin typeface="Consolas"/>
-                <a:cs typeface="Consolas"/>
-              </a:rPr>
-              <a:t>Eb</a:t>
-            </a:r>
-            <a:endParaRPr lang="en-US" sz="2200" dirty="0" smtClean="0">
-              <a:latin typeface="Consolas"/>
-              <a:cs typeface="Consolas"/>
-            </a:endParaRPr>
-          </a:p>
-          <a:p>
-            <a:pPr lvl="1"/>
-            <a:r>
-              <a:rPr lang="en-US" sz="2200" dirty="0" err="1" smtClean="0">
-                <a:latin typeface="Consolas"/>
-                <a:cs typeface="Consolas"/>
-              </a:rPr>
-              <a:t>NoisePower</a:t>
-            </a:r>
-            <a:r>
-              <a:rPr lang="en-US" sz="2200" dirty="0" smtClean="0">
-                <a:latin typeface="Consolas"/>
-                <a:cs typeface="Consolas"/>
-              </a:rPr>
-              <a:t> = 2*N0*</a:t>
+              <a:t>= 2*N0*</a:t>
             </a:r>
             <a:r>
               <a:rPr lang="en-US" sz="2200" dirty="0" err="1" smtClean="0">
@@ -18912,13 +18903,30 @@
               <a:t> = </a:t>
             </a:r>
             <a:r>
-              <a:rPr lang="en-US" i="1" dirty="0" err="1" smtClean="0"/>
-              <a:t>Fsampling</a:t>
+              <a:rPr lang="en-US" i="1" smtClean="0"/>
+              <a:t>Fs*(RRCTaps-1</a:t>
+            </a:r>
+            <a:r>
+              <a:rPr lang="en-US" i="1" dirty="0" smtClean="0"/>
+              <a:t>)</a:t>
             </a:r>
             <a:r>
               <a:rPr lang="en-US" dirty="0" smtClean="0"/>
-              <a:t> / 2</a:t>
-            </a:r>
+              <a:t> </a:t>
+            </a:r>
+            <a:r>
+              <a:rPr lang="en-US" dirty="0" smtClean="0"/>
+              <a:t>/ </a:t>
+            </a:r>
+            <a:r>
+              <a:rPr lang="en-US" dirty="0" smtClean="0"/>
+              <a:t>2*</a:t>
+            </a:r>
+            <a:r>
+              <a:rPr lang="en-US" dirty="0" err="1" smtClean="0"/>
+              <a:t>RRCTaps</a:t>
+            </a:r>
+            <a:endParaRPr lang="en-US" dirty="0" smtClean="0"/>
           </a:p>
           <a:p>
             <a:pPr lvl="1"/>
